--- a/1 CoreData or SQLite/Core Data or SQLite - Español.pptx
+++ b/1 CoreData or SQLite/Core Data or SQLite - Español.pptx
@@ -3502,15 +3502,7 @@
             </a:pPr>
             <a:r>
               <a:rPr lang="en-US"/>
-              <a:t>Ahorra un mont</a:t>
-            </a:r>
-            <a:r>
-              <a:rPr lang="en-US"/>
-              <a:t>ón de código en el</a:t>
-            </a:r>
-            <a:r>
-              <a:rPr lang="en-US"/>
-              <a:t> modelo de componentes</a:t>
+              <a:t>Ahorra un montón de código en el modelo de componentes</a:t>
             </a:r>
           </a:p>
           <a:p>
@@ -3521,13 +3513,8 @@
             </a:pPr>
             <a:r>
               <a:rPr lang="en-US"/>
-              <a:t>Da un alto nivel de abstracci</a:t>
-            </a:r>
-            <a:r>
-              <a:rPr lang="en-US"/>
-              <a:t>ón de tu “base de datos”</a:t>
-            </a:r>
-            <a:endParaRPr lang="en-US"/>
+              <a:t>Da un alto nivel de abstracción de tu “base de datos”</a:t>
+            </a:r>
           </a:p>
           <a:p>
             <a:pPr>
@@ -3537,13 +3524,8 @@
             </a:pPr>
             <a:r>
               <a:rPr lang="en-US"/>
-              <a:t>Mejor integraci</a:t>
-            </a:r>
-            <a:r>
-              <a:rPr lang="en-US"/>
-              <a:t>ón con el resto de la API de Cocoa</a:t>
-            </a:r>
-            <a:endParaRPr lang="en-US"/>
+              <a:t>Mejor integración con el resto de la API de Cocoa</a:t>
+            </a:r>
           </a:p>
           <a:p>
             <a:pPr>
@@ -3553,11 +3535,7 @@
             </a:pPr>
             <a:r>
               <a:rPr lang="en-US"/>
-              <a:t>Maneja por ti la gesti</a:t>
-            </a:r>
-            <a:r>
-              <a:rPr lang="en-US"/>
-              <a:t>ón de memoria</a:t>
+              <a:t>Maneja por ti la gestión de memoria</a:t>
             </a:r>
           </a:p>
           <a:p>
@@ -3590,15 +3568,7 @@
             </a:pPr>
             <a:r>
               <a:rPr lang="en-US"/>
-              <a:t>Sincronizaci</a:t>
-            </a:r>
-            <a:r>
-              <a:rPr lang="en-US"/>
-              <a:t>ón con </a:t>
-            </a:r>
-            <a:r>
-              <a:rPr lang="en-US"/>
-              <a:t>iCloud</a:t>
+              <a:t>Sincronización con iCloud</a:t>
             </a:r>
           </a:p>
           <a:p>
@@ -3609,15 +3579,7 @@
             </a:pPr>
             <a:r>
               <a:rPr lang="en-US"/>
-              <a:t>Editor de la interfaz gr</a:t>
-            </a:r>
-            <a:r>
-              <a:rPr lang="en-US"/>
-              <a:t>áfica de </a:t>
-            </a:r>
-            <a:r>
-              <a:rPr lang="en-US"/>
-              <a:t>Core Data</a:t>
+              <a:t>Editor de la interfaz gráfica de Core Data</a:t>
             </a:r>
           </a:p>
         </p:txBody>
@@ -3883,25 +3845,7 @@
                 </a:solidFill>
                 <a:latin typeface="Menlo-Regular"/>
               </a:rPr>
-              <a:t>SELECT employees.* FROM employees JOIN employees_accounts ON employees_accounts.employee_id = employees.initials WHERE account_id = ‘</a:t>
-            </a:r>
-            <a:r>
-              <a:rPr lang="en-US" sz="1200">
-                <a:solidFill>
-                  <a:srgbClr val="C41A16"/>
-                </a:solidFill>
-                <a:latin typeface="Menlo-Regular"/>
-              </a:rPr>
-              <a:t>MNS002</a:t>
-            </a:r>
-            <a:r>
-              <a:rPr lang="en-US" sz="1200">
-                <a:solidFill>
-                  <a:srgbClr val="C41A16"/>
-                </a:solidFill>
-                <a:latin typeface="Menlo-Regular"/>
-              </a:rPr>
-              <a:t>’</a:t>
+              <a:t>SELECT employees.* FROM employees JOIN employees_accounts ON employees_accounts.employee_id = employees.initials WHERE account_id = ‘MNS002’</a:t>
             </a:r>
             <a:endParaRPr lang="en-US" sz="1200">
               <a:solidFill>
@@ -4021,25 +3965,7 @@
                 </a:solidFill>
                 <a:latin typeface="Menlo-Regular"/>
               </a:rPr>
-              <a:t>@"accounts.id CONTAINS ‘</a:t>
-            </a:r>
-            <a:r>
-              <a:rPr lang="en-US" sz="1200">
-                <a:solidFill>
-                  <a:srgbClr val="C41A16"/>
-                </a:solidFill>
-                <a:latin typeface="Menlo-Regular"/>
-              </a:rPr>
-              <a:t>MNS002</a:t>
-            </a:r>
-            <a:r>
-              <a:rPr lang="en-US" sz="1200">
-                <a:solidFill>
-                  <a:srgbClr val="C41A16"/>
-                </a:solidFill>
-                <a:latin typeface="Menlo-Regular"/>
-              </a:rPr>
-              <a:t>’"</a:t>
+              <a:t>@"accounts.id CONTAINS ‘MNS002’"</a:t>
             </a:r>
             <a:r>
               <a:rPr lang="en-US" sz="1200">
@@ -4746,6 +4672,15 @@
                 <a:hlinkClick r:id="rId4"/>
               </a:rPr>
               <a:t>http://en.wikipedia.org/wiki/Core_Data</a:t>
+            </a:r>
+            <a:endParaRPr lang="en-US"/>
+          </a:p>
+          <a:p>
+            <a:r>
+              <a:rPr lang="en-US">
+                <a:hlinkClick r:id="rId5"/>
+              </a:rPr>
+              <a:t>https://github.com/PabloRueda/CoreDataTutorials</a:t>
             </a:r>
             <a:endParaRPr lang="en-US"/>
           </a:p>
@@ -5488,26 +5423,13 @@
           <a:p>
             <a:r>
               <a:rPr lang="en-US"/>
-              <a:t>Devolver y manipular datos sin preocuparse sobre los detalles de almacenamiento o b</a:t>
-            </a:r>
+              <a:t>Devolver y manipular datos sin preocuparse sobre los detalles de almacenamiento o búsqueda</a:t>
+            </a:r>
+          </a:p>
+          <a:p>
             <a:r>
               <a:rPr lang="en-US"/>
-              <a:t>úsqueda</a:t>
-            </a:r>
-            <a:endParaRPr lang="en-US"/>
-          </a:p>
-          <a:p>
-            <a:r>
-              <a:rPr lang="en-US"/>
-              <a:t>Al conectrar 2 objetos est</a:t>
-            </a:r>
-            <a:r>
-              <a:rPr lang="en-US"/>
-              <a:t>á</a:t>
-            </a:r>
-            <a:r>
-              <a:rPr lang="en-US"/>
-              <a:t>n sincronizados permanentemente</a:t>
+              <a:t>Al conectrar 2 objetos están sincronizados permanentemente</a:t>
             </a:r>
           </a:p>
           <a:p>
@@ -5531,25 +5453,13 @@
           <a:p>
             <a:r>
               <a:rPr lang="en-US"/>
-              <a:t>Es posible usar Core Data sin niguna forma de b</a:t>
-            </a:r>
+              <a:t>Es posible usar Core Data sin niguna forma de búsqueda, si todos tus objetos están conectados</a:t>
+            </a:r>
+          </a:p>
+          <a:p>
             <a:r>
               <a:rPr lang="en-US"/>
-              <a:t>úsqueda, si todos tus objetos están conectados</a:t>
-            </a:r>
-          </a:p>
-          <a:p>
-            <a:r>
-              <a:rPr lang="en-US"/>
-              <a:t>Las Properties son implementadas por m</a:t>
-            </a:r>
-            <a:r>
-              <a:rPr lang="en-US"/>
-              <a:t>étodos y son</a:t>
-            </a:r>
-            <a:r>
-              <a:rPr lang="en-US"/>
-              <a:t> observables y sobrescribibles</a:t>
+              <a:t>Las Properties son implementadas por métodos y son observables y sobrescribibles</a:t>
             </a:r>
           </a:p>
           <a:p>
@@ -5655,31 +5565,11 @@
             </a:r>
             <a:r>
               <a:rPr lang="es-ES_tradnl"/>
-              <a:t>no maneja l</a:t>
-            </a:r>
-            <a:r>
-              <a:rPr lang="es-ES_tradnl"/>
-              <a:t>ógica</a:t>
+              <a:t>no maneja lógica</a:t>
             </a:r>
             <a:r>
               <a:rPr lang="en-US"/>
-              <a:t>, es responsabilidad de la l</a:t>
-            </a:r>
-            <a:r>
-              <a:rPr lang="en-US"/>
-              <a:t>ógica de negocio</a:t>
-            </a:r>
-            <a:r>
-              <a:rPr lang="en-US"/>
-              <a:t>. Ejemplo: ids </a:t>
-            </a:r>
-            <a:r>
-              <a:rPr lang="en-US"/>
-              <a:t>únicos</a:t>
-            </a:r>
-            <a:r>
-              <a:rPr lang="en-US"/>
-              <a:t> en SQL</a:t>
+              <a:t>, es responsabilidad de la lógica de negocio. Ejemplo: ids únicos en SQL</a:t>
             </a:r>
           </a:p>
           <a:p>
@@ -5698,13 +5588,8 @@
             </a:pPr>
             <a:r>
               <a:rPr lang="en-US"/>
-              <a:t>No soporta acceso desde m</a:t>
-            </a:r>
-            <a:r>
-              <a:rPr lang="en-US"/>
-              <a:t>últiples hilos</a:t>
-            </a:r>
-            <a:endParaRPr lang="en-US"/>
+              <a:t>No soporta acceso desde múltiples hilos</a:t>
+            </a:r>
           </a:p>
         </p:txBody>
       </p:sp>
@@ -5778,11 +5663,16 @@
           <a:p>
             <a:r>
               <a:rPr lang="en-US"/>
-              <a:t>La acci</a:t>
-            </a:r>
+              <a:t>La acción de borrar un gran número de objetos es crítica para tu sistema</a:t>
+            </a:r>
+          </a:p>
+          <a:p>
+            <a:endParaRPr lang="en-US"/>
+          </a:p>
+          <a:p>
             <a:r>
               <a:rPr lang="en-US"/>
-              <a:t>ón de borrar un gran número de objetos es crítica para tu sistema</a:t>
+              <a:t>La acción de actualizar con el mismo valor un gran número de objetos es crítica para tu sistema. Ejemplo: marcar todo como leído</a:t>
             </a:r>
           </a:p>
           <a:p>
@@ -5791,35 +5681,8 @@
           <a:p>
             <a:r>
               <a:rPr lang="en-US"/>
-              <a:t>La acci</a:t>
-            </a:r>
-            <a:r>
-              <a:rPr lang="en-US"/>
-              <a:t>ón de actualizar con el mismo valor un gran número de objetos es crítica para tu sistema</a:t>
-            </a:r>
-            <a:r>
-              <a:rPr lang="en-US"/>
-              <a:t>. Ejemplo: marcar todo como le</a:t>
-            </a:r>
-            <a:r>
-              <a:rPr lang="en-US"/>
-              <a:t>ído</a:t>
-            </a:r>
-            <a:endParaRPr lang="en-US"/>
-          </a:p>
-          <a:p>
-            <a:endParaRPr lang="en-US"/>
-          </a:p>
-          <a:p>
-            <a:r>
-              <a:rPr lang="en-US"/>
-              <a:t>Tienes pensado portar todo tu c</a:t>
-            </a:r>
-            <a:r>
-              <a:rPr lang="en-US"/>
-              <a:t>ódigo a otras plataformas</a:t>
-            </a:r>
-            <a:endParaRPr lang="en-US"/>
+              <a:t>Tienes pensado portar todo tu código a otras plataformas</a:t>
+            </a:r>
           </a:p>
         </p:txBody>
       </p:sp>
@@ -5893,13 +5756,8 @@
           <a:p>
             <a:r>
               <a:rPr lang="en-US"/>
-              <a:t>El resto de las veces, que en la pr</a:t>
-            </a:r>
-            <a:r>
-              <a:rPr lang="en-US"/>
-              <a:t>áctica es el 95% del tiempo</a:t>
-            </a:r>
-            <a:endParaRPr lang="en-US"/>
+              <a:t>El resto de las veces, que en la práctica es el 95% del tiempo</a:t>
+            </a:r>
           </a:p>
         </p:txBody>
       </p:sp>
